--- a/_PowerPoints/1st Semester/Unit 2 Relations and Functions/Algebra3_Day_017 2.4 More about Linear Equations.pptx
+++ b/_PowerPoints/1st Semester/Unit 2 Relations and Functions/Algebra3_Day_017 2.4 More about Linear Equations.pptx
@@ -294,7 +294,7 @@
             <a:fld id="{87DE6118-2437-4B30-8E3C-4D2BE6020583}" type="datetimeFigureOut">
               <a:rPr lang="en-US" dirty="0"/>
               <a:pPr/>
-              <a:t>10/6/2017</a:t>
+              <a:t>10/16/2018</a:t>
             </a:fld>
             <a:endParaRPr lang="en-US" dirty="0"/>
           </a:p>
@@ -620,7 +620,7 @@
           <a:p>
             <a:fld id="{87DE6118-2437-4B30-8E3C-4D2BE6020583}" type="datetimeFigureOut">
               <a:rPr lang="en-US" dirty="0"/>
-              <a:t>10/6/2017</a:t>
+              <a:t>10/16/2018</a:t>
             </a:fld>
             <a:endParaRPr lang="en-US" dirty="0"/>
           </a:p>
@@ -795,7 +795,7 @@
           <a:p>
             <a:fld id="{87DE6118-2437-4B30-8E3C-4D2BE6020583}" type="datetimeFigureOut">
               <a:rPr lang="en-US" dirty="0"/>
-              <a:t>10/6/2017</a:t>
+              <a:t>10/16/2018</a:t>
             </a:fld>
             <a:endParaRPr lang="en-US" dirty="0"/>
           </a:p>
@@ -960,7 +960,7 @@
           <a:p>
             <a:fld id="{87DE6118-2437-4B30-8E3C-4D2BE6020583}" type="datetimeFigureOut">
               <a:rPr lang="en-US" dirty="0"/>
-              <a:t>10/6/2017</a:t>
+              <a:t>10/16/2018</a:t>
             </a:fld>
             <a:endParaRPr lang="en-US" dirty="0"/>
           </a:p>
@@ -1233,7 +1233,7 @@
             <a:fld id="{87DE6118-2437-4B30-8E3C-4D2BE6020583}" type="datetimeFigureOut">
               <a:rPr lang="en-US" dirty="0"/>
               <a:pPr/>
-              <a:t>10/6/2017</a:t>
+              <a:t>10/16/2018</a:t>
             </a:fld>
             <a:endParaRPr lang="en-US" dirty="0"/>
           </a:p>
@@ -1623,7 +1623,7 @@
           <a:p>
             <a:fld id="{87DE6118-2437-4B30-8E3C-4D2BE6020583}" type="datetimeFigureOut">
               <a:rPr lang="en-US" dirty="0"/>
-              <a:t>10/6/2017</a:t>
+              <a:t>10/16/2018</a:t>
             </a:fld>
             <a:endParaRPr lang="en-US" dirty="0"/>
           </a:p>
@@ -2095,7 +2095,7 @@
           <a:p>
             <a:fld id="{87DE6118-2437-4B30-8E3C-4D2BE6020583}" type="datetimeFigureOut">
               <a:rPr lang="en-US" dirty="0"/>
-              <a:t>10/6/2017</a:t>
+              <a:t>10/16/2018</a:t>
             </a:fld>
             <a:endParaRPr lang="en-US" dirty="0"/>
           </a:p>
@@ -2208,7 +2208,7 @@
           <a:p>
             <a:fld id="{87DE6118-2437-4B30-8E3C-4D2BE6020583}" type="datetimeFigureOut">
               <a:rPr lang="en-US" dirty="0"/>
-              <a:t>10/6/2017</a:t>
+              <a:t>10/16/2018</a:t>
             </a:fld>
             <a:endParaRPr lang="en-US" dirty="0"/>
           </a:p>
@@ -2298,7 +2298,7 @@
           <a:p>
             <a:fld id="{87DE6118-2437-4B30-8E3C-4D2BE6020583}" type="datetimeFigureOut">
               <a:rPr lang="en-US" dirty="0"/>
-              <a:t>10/6/2017</a:t>
+              <a:t>10/16/2018</a:t>
             </a:fld>
             <a:endParaRPr lang="en-US" dirty="0"/>
           </a:p>
@@ -2640,7 +2640,7 @@
             <a:fld id="{87DE6118-2437-4B30-8E3C-4D2BE6020583}" type="datetimeFigureOut">
               <a:rPr lang="en-US" dirty="0"/>
               <a:pPr/>
-              <a:t>10/6/2017</a:t>
+              <a:t>10/16/2018</a:t>
             </a:fld>
             <a:endParaRPr lang="en-US" dirty="0"/>
           </a:p>
@@ -3025,7 +3025,7 @@
             <a:fld id="{87DE6118-2437-4B30-8E3C-4D2BE6020583}" type="datetimeFigureOut">
               <a:rPr lang="en-US" dirty="0"/>
               <a:pPr/>
-              <a:t>10/6/2017</a:t>
+              <a:t>10/16/2018</a:t>
             </a:fld>
             <a:endParaRPr lang="en-US" dirty="0"/>
           </a:p>
@@ -3300,7 +3300,7 @@
             <a:fld id="{87DE6118-2437-4B30-8E3C-4D2BE6020583}" type="datetimeFigureOut">
               <a:rPr lang="en-US" dirty="0"/>
               <a:pPr/>
-              <a:t>10/6/2017</a:t>
+              <a:t>10/16/2018</a:t>
             </a:fld>
             <a:endParaRPr lang="en-US" dirty="0"/>
           </a:p>
@@ -5154,7 +5154,7 @@
         <p:spPr>
           <a:xfrm>
             <a:off x="1371600" y="2285999"/>
-            <a:ext cx="9601200" cy="2323707"/>
+            <a:ext cx="9601200" cy="3447144"/>
           </a:xfrm>
         </p:spPr>
         <p:txBody>
@@ -5172,9 +5172,46 @@
             </a:r>
             <a:r>
               <a:rPr lang="en-US" sz="3000" dirty="0" smtClean="0"/>
-              <a:t>: Write equation of line through any two points</a:t>
-            </a:r>
-            <a:endParaRPr lang="en-US" sz="3200" dirty="0"/>
+              <a:t>: Write equation of line through any two </a:t>
+            </a:r>
+            <a:r>
+              <a:rPr lang="en-US" sz="3000" dirty="0" smtClean="0"/>
+              <a:t>points</a:t>
+            </a:r>
+          </a:p>
+          <a:p>
+            <a:pPr marL="0" indent="0">
+              <a:buNone/>
+            </a:pPr>
+            <a:endParaRPr lang="en-US" sz="3000" dirty="0"/>
+          </a:p>
+          <a:p>
+            <a:pPr marL="0" indent="0">
+              <a:buNone/>
+            </a:pPr>
+            <a:endParaRPr lang="en-US" sz="3000" dirty="0" smtClean="0"/>
+          </a:p>
+          <a:p>
+            <a:pPr marL="0" indent="0">
+              <a:buNone/>
+            </a:pPr>
+            <a:r>
+              <a:rPr lang="en-US" sz="3200" b="1" dirty="0" smtClean="0"/>
+              <a:t>HLQ</a:t>
+            </a:r>
+            <a:r>
+              <a:rPr lang="en-US" sz="3200" dirty="0" smtClean="0"/>
+              <a:t>: How does the process for writing a line change, if we are </a:t>
+            </a:r>
+            <a:r>
+              <a:rPr lang="en-US" sz="3200" i="1" dirty="0" smtClean="0"/>
+              <a:t>not</a:t>
+            </a:r>
+            <a:r>
+              <a:rPr lang="en-US" sz="3200" dirty="0" smtClean="0"/>
+              <a:t> given the y-intercept as one of our two points? </a:t>
+            </a:r>
+            <a:endParaRPr lang="en-US" sz="3000" dirty="0"/>
           </a:p>
         </p:txBody>
       </p:sp>
